--- a/Assignment/GMA_WorkPresentation.pptx
+++ b/Assignment/GMA_WorkPresentation.pptx
@@ -105,6 +105,11 @@
       </a:defRPr>
     </a:lvl9pPr>
   </p:defaultTextStyle>
+  <p:extLst>
+    <p:ext uri="{EFAFB233-063F-42B5-8137-9DF3F51BA10A}">
+      <p15:sldGuideLst xmlns:p15="http://schemas.microsoft.com/office/powerpoint/2012/main"/>
+    </p:ext>
+  </p:extLst>
 </p:presentation>
 </file>
 
@@ -294,7 +299,7 @@
           <a:p>
             <a:fld id="{91F9259A-1FE3-4FF9-8A07-BDD8177164ED}" type="datetime4">
               <a:rPr lang="en-US" smtClean="0"/>
-              <a:t>March 16, 2021</a:t>
+              <a:t>March 27, 2021</a:t>
             </a:fld>
             <a:endParaRPr lang="en-US"/>
           </a:p>
@@ -469,7 +474,7 @@
           <a:p>
             <a:fld id="{E5CC3C8F-D4A7-4EAD-92AD-82C91CB8BB85}" type="datetime4">
               <a:rPr lang="en-US" smtClean="0"/>
-              <a:t>March 16, 2021</a:t>
+              <a:t>March 27, 2021</a:t>
             </a:fld>
             <a:endParaRPr lang="en-US"/>
           </a:p>
@@ -706,7 +711,7 @@
           <a:p>
             <a:fld id="{BC011D41-E33C-4BC7-8272-37E8417FD097}" type="datetime4">
               <a:rPr lang="en-US" smtClean="0"/>
-              <a:t>March 16, 2021</a:t>
+              <a:t>March 27, 2021</a:t>
             </a:fld>
             <a:endParaRPr lang="en-US"/>
           </a:p>
@@ -911,7 +916,7 @@
           <a:p>
             <a:fld id="{5D340FED-6E95-4177-A7EF-CD303B9E611D}" type="datetime4">
               <a:rPr lang="en-US" smtClean="0"/>
-              <a:t>March 16, 2021</a:t>
+              <a:t>March 27, 2021</a:t>
             </a:fld>
             <a:endParaRPr lang="en-US"/>
           </a:p>
@@ -1201,7 +1206,7 @@
           <a:p>
             <a:fld id="{477962CB-39AD-45A9-800F-54DAB53D6021}" type="datetime4">
               <a:rPr lang="en-US" smtClean="0"/>
-              <a:t>March 16, 2021</a:t>
+              <a:t>March 27, 2021</a:t>
             </a:fld>
             <a:endParaRPr lang="en-US"/>
           </a:p>
@@ -1485,7 +1490,7 @@
           <a:p>
             <a:fld id="{2DEDF93D-55AB-4606-B9D7-742F1FC51983}" type="datetime4">
               <a:rPr lang="en-US" smtClean="0"/>
-              <a:t>March 16, 2021</a:t>
+              <a:t>March 27, 2021</a:t>
             </a:fld>
             <a:endParaRPr lang="en-US" dirty="0"/>
           </a:p>
@@ -1902,7 +1907,7 @@
           <a:p>
             <a:fld id="{DDF2841D-FB5C-47AB-B2FF-32E855C1EA71}" type="datetime4">
               <a:rPr lang="en-US" smtClean="0"/>
-              <a:t>March 16, 2021</a:t>
+              <a:t>March 27, 2021</a:t>
             </a:fld>
             <a:endParaRPr lang="en-US"/>
           </a:p>
@@ -2043,7 +2048,7 @@
           <a:p>
             <a:fld id="{118537E9-D174-424D-BEE8-AFC4CA5F9F97}" type="datetime4">
               <a:rPr lang="en-US" smtClean="0"/>
-              <a:t>March 16, 2021</a:t>
+              <a:t>March 27, 2021</a:t>
             </a:fld>
             <a:endParaRPr lang="en-US"/>
           </a:p>
@@ -2184,7 +2189,7 @@
           <a:p>
             <a:fld id="{1C7A44C0-F7AC-49C2-8289-1E7A86D9FB50}" type="datetime4">
               <a:rPr lang="en-US" smtClean="0"/>
-              <a:t>March 16, 2021</a:t>
+              <a:t>March 27, 2021</a:t>
             </a:fld>
             <a:endParaRPr lang="en-US"/>
           </a:p>
@@ -2499,7 +2504,7 @@
           <a:p>
             <a:fld id="{73BB84BC-6E78-40D1-8831-40AB1F596614}" type="datetime4">
               <a:rPr lang="en-US" smtClean="0"/>
-              <a:t>March 16, 2021</a:t>
+              <a:t>March 27, 2021</a:t>
             </a:fld>
             <a:endParaRPr lang="en-US"/>
           </a:p>
@@ -2792,7 +2797,7 @@
           <a:p>
             <a:fld id="{ADFA080F-3961-4D42-BEDE-84A1FED032F1}" type="datetime4">
               <a:rPr lang="en-US" smtClean="0"/>
-              <a:t>March 16, 2021</a:t>
+              <a:t>March 27, 2021</a:t>
             </a:fld>
             <a:endParaRPr lang="en-US"/>
           </a:p>
@@ -3074,7 +3079,7 @@
             <a:fld id="{A33960BD-7AC1-4217-9611-AAA56D3EE38F}" type="datetime4">
               <a:rPr lang="en-US" smtClean="0"/>
               <a:pPr/>
-              <a:t>March 16, 2021</a:t>
+              <a:t>March 27, 2021</a:t>
             </a:fld>
             <a:endParaRPr lang="en-US" dirty="0">
               <a:latin typeface="+mn-lt"/>
@@ -3181,8 +3186,8 @@
           </a:p>
         </p:txBody>
       </p:sp>
-      <mc:AlternateContent xmlns:mc="http://schemas.openxmlformats.org/markup-compatibility/2006">
-        <mc:Choice xmlns:p14="http://schemas.microsoft.com/office/powerpoint/2010/main" Requires="p14">
+      <mc:AlternateContent xmlns:mc="http://schemas.openxmlformats.org/markup-compatibility/2006" xmlns:p14="http://schemas.microsoft.com/office/powerpoint/2010/main">
+        <mc:Choice Requires="p14">
           <p:contentPart p14:bwMode="auto" r:id="rId14">
             <p14:nvContentPartPr>
               <p14:cNvPr id="18" name="Ink 17">
@@ -3201,7 +3206,7 @@
             </p14:xfrm>
           </p:contentPart>
         </mc:Choice>
-        <mc:Fallback>
+        <mc:Fallback xmlns="">
           <p:pic>
             <p:nvPicPr>
               <p:cNvPr id="18" name="Ink 17">
@@ -4581,7 +4586,7 @@
         </p:nvSpPr>
         <p:spPr>
           <a:xfrm>
-            <a:off x="288757" y="1219200"/>
+            <a:off x="300786" y="4158988"/>
             <a:ext cx="1572127" cy="625642"/>
           </a:xfrm>
           <a:prstGeom prst="rect">
@@ -4649,15 +4654,15 @@
           </p:cNvPr>
           <p:cNvCxnSpPr>
             <a:cxnSpLocks/>
-            <a:stCxn id="4" idx="3"/>
-            <a:endCxn id="56" idx="1"/>
+            <a:stCxn id="4" idx="0"/>
+            <a:endCxn id="56" idx="2"/>
           </p:cNvCxnSpPr>
           <p:nvPr/>
         </p:nvCxnSpPr>
         <p:spPr>
-          <a:xfrm flipV="1">
-            <a:off x="1860884" y="1532019"/>
-            <a:ext cx="509337" cy="2"/>
+          <a:xfrm flipH="1" flipV="1">
+            <a:off x="1086849" y="3865773"/>
+            <a:ext cx="1" cy="293215"/>
           </a:xfrm>
           <a:prstGeom prst="line">
             <a:avLst/>
@@ -4699,7 +4704,7 @@
         </p:nvSpPr>
         <p:spPr>
           <a:xfrm>
-            <a:off x="4267200" y="1219200"/>
+            <a:off x="300786" y="2311777"/>
             <a:ext cx="1572127" cy="625642"/>
           </a:xfrm>
           <a:prstGeom prst="rect">
@@ -4767,15 +4772,15 @@
           </p:cNvPr>
           <p:cNvCxnSpPr>
             <a:cxnSpLocks/>
-            <a:stCxn id="8" idx="3"/>
-            <a:endCxn id="63" idx="1"/>
+            <a:stCxn id="8" idx="0"/>
+            <a:endCxn id="63" idx="2"/>
           </p:cNvCxnSpPr>
           <p:nvPr/>
         </p:nvCxnSpPr>
         <p:spPr>
-          <a:xfrm flipV="1">
-            <a:off x="5839327" y="1532019"/>
-            <a:ext cx="354074" cy="2"/>
+          <a:xfrm flipH="1" flipV="1">
+            <a:off x="1086848" y="2159235"/>
+            <a:ext cx="2" cy="152542"/>
           </a:xfrm>
           <a:prstGeom prst="line">
             <a:avLst/>
@@ -4817,7 +4822,7 @@
         </p:nvSpPr>
         <p:spPr>
           <a:xfrm>
-            <a:off x="8245643" y="1219200"/>
+            <a:off x="300786" y="760378"/>
             <a:ext cx="1572127" cy="625642"/>
           </a:xfrm>
           <a:prstGeom prst="rect">
@@ -4888,7 +4893,7 @@
         </p:nvSpPr>
         <p:spPr>
           <a:xfrm>
-            <a:off x="4042610" y="3001918"/>
+            <a:off x="4755376" y="760374"/>
             <a:ext cx="1958264" cy="625642"/>
           </a:xfrm>
           <a:prstGeom prst="rect">
@@ -4945,53 +4950,6 @@
           </a:p>
         </p:txBody>
       </p:sp>
-      <p:cxnSp>
-        <p:nvCxnSpPr>
-          <p:cNvPr id="16" name="Connettore diritto 15">
-            <a:extLst>
-              <a:ext uri="{FF2B5EF4-FFF2-40B4-BE49-F238E27FC236}">
-                <a16:creationId xmlns:a16="http://schemas.microsoft.com/office/drawing/2014/main" id="{53159DD0-B59C-4F09-A2DB-BD6C65819504}"/>
-              </a:ext>
-            </a:extLst>
-          </p:cNvPr>
-          <p:cNvCxnSpPr>
-            <a:cxnSpLocks/>
-            <a:stCxn id="79" idx="1"/>
-            <a:endCxn id="25" idx="3"/>
-          </p:cNvCxnSpPr>
-          <p:nvPr/>
-        </p:nvCxnSpPr>
-        <p:spPr>
-          <a:xfrm flipH="1">
-            <a:off x="1860884" y="3314734"/>
-            <a:ext cx="224591" cy="5"/>
-          </a:xfrm>
-          <a:prstGeom prst="line">
-            <a:avLst/>
-          </a:prstGeom>
-          <a:ln>
-            <a:solidFill>
-              <a:schemeClr val="accent4">
-                <a:lumMod val="50000"/>
-              </a:schemeClr>
-            </a:solidFill>
-          </a:ln>
-        </p:spPr>
-        <p:style>
-          <a:lnRef idx="1">
-            <a:schemeClr val="accent1"/>
-          </a:lnRef>
-          <a:fillRef idx="0">
-            <a:schemeClr val="accent1"/>
-          </a:fillRef>
-          <a:effectRef idx="0">
-            <a:schemeClr val="accent1"/>
-          </a:effectRef>
-          <a:fontRef idx="minor">
-            <a:schemeClr val="tx1"/>
-          </a:fontRef>
-        </p:style>
-      </p:cxnSp>
       <p:sp>
         <p:nvSpPr>
           <p:cNvPr id="25" name="Rettangolo 24">
@@ -5006,7 +4964,7 @@
         </p:nvSpPr>
         <p:spPr>
           <a:xfrm>
-            <a:off x="288757" y="3001918"/>
+            <a:off x="9719842" y="758748"/>
             <a:ext cx="1572127" cy="625642"/>
           </a:xfrm>
           <a:prstGeom prst="rect">
@@ -5077,7 +5035,7 @@
         </p:nvSpPr>
         <p:spPr>
           <a:xfrm>
-            <a:off x="4235677" y="4784630"/>
+            <a:off x="4948444" y="4158988"/>
             <a:ext cx="1572127" cy="625642"/>
           </a:xfrm>
           <a:prstGeom prst="rect">
@@ -5148,7 +5106,7 @@
         </p:nvSpPr>
         <p:spPr>
           <a:xfrm>
-            <a:off x="288757" y="4784635"/>
+            <a:off x="9719841" y="4157362"/>
             <a:ext cx="1572127" cy="625642"/>
           </a:xfrm>
           <a:prstGeom prst="rect">
@@ -5205,147 +5163,6 @@
           </a:p>
         </p:txBody>
       </p:sp>
-      <p:cxnSp>
-        <p:nvCxnSpPr>
-          <p:cNvPr id="36" name="Connettore diritto 35">
-            <a:extLst>
-              <a:ext uri="{FF2B5EF4-FFF2-40B4-BE49-F238E27FC236}">
-                <a16:creationId xmlns:a16="http://schemas.microsoft.com/office/drawing/2014/main" id="{3319A78B-1D33-4341-93CC-7C4744837293}"/>
-              </a:ext>
-            </a:extLst>
-          </p:cNvPr>
-          <p:cNvCxnSpPr>
-            <a:cxnSpLocks/>
-            <a:stCxn id="25" idx="2"/>
-            <a:endCxn id="84" idx="0"/>
-          </p:cNvCxnSpPr>
-          <p:nvPr/>
-        </p:nvCxnSpPr>
-        <p:spPr>
-          <a:xfrm flipH="1">
-            <a:off x="1074820" y="3627560"/>
-            <a:ext cx="1" cy="265718"/>
-          </a:xfrm>
-          <a:prstGeom prst="line">
-            <a:avLst/>
-          </a:prstGeom>
-          <a:ln>
-            <a:solidFill>
-              <a:schemeClr val="accent4">
-                <a:lumMod val="50000"/>
-              </a:schemeClr>
-            </a:solidFill>
-          </a:ln>
-        </p:spPr>
-        <p:style>
-          <a:lnRef idx="1">
-            <a:schemeClr val="accent1"/>
-          </a:lnRef>
-          <a:fillRef idx="0">
-            <a:schemeClr val="accent1"/>
-          </a:fillRef>
-          <a:effectRef idx="0">
-            <a:schemeClr val="accent1"/>
-          </a:effectRef>
-          <a:fontRef idx="minor">
-            <a:schemeClr val="tx1"/>
-          </a:fontRef>
-        </p:style>
-      </p:cxnSp>
-      <p:cxnSp>
-        <p:nvCxnSpPr>
-          <p:cNvPr id="39" name="Connettore diritto 38">
-            <a:extLst>
-              <a:ext uri="{FF2B5EF4-FFF2-40B4-BE49-F238E27FC236}">
-                <a16:creationId xmlns:a16="http://schemas.microsoft.com/office/drawing/2014/main" id="{6447424F-9055-4DE5-95E3-D449BDE1A2F2}"/>
-              </a:ext>
-            </a:extLst>
-          </p:cNvPr>
-          <p:cNvCxnSpPr>
-            <a:cxnSpLocks/>
-            <a:stCxn id="90" idx="1"/>
-            <a:endCxn id="35" idx="3"/>
-          </p:cNvCxnSpPr>
-          <p:nvPr/>
-        </p:nvCxnSpPr>
-        <p:spPr>
-          <a:xfrm flipH="1">
-            <a:off x="1860884" y="5097449"/>
-            <a:ext cx="324851" cy="7"/>
-          </a:xfrm>
-          <a:prstGeom prst="line">
-            <a:avLst/>
-          </a:prstGeom>
-          <a:ln>
-            <a:solidFill>
-              <a:schemeClr val="accent4">
-                <a:lumMod val="50000"/>
-              </a:schemeClr>
-            </a:solidFill>
-          </a:ln>
-        </p:spPr>
-        <p:style>
-          <a:lnRef idx="1">
-            <a:schemeClr val="accent1"/>
-          </a:lnRef>
-          <a:fillRef idx="0">
-            <a:schemeClr val="accent1"/>
-          </a:fillRef>
-          <a:effectRef idx="0">
-            <a:schemeClr val="accent1"/>
-          </a:effectRef>
-          <a:fontRef idx="minor">
-            <a:schemeClr val="tx1"/>
-          </a:fontRef>
-        </p:style>
-      </p:cxnSp>
-      <p:cxnSp>
-        <p:nvCxnSpPr>
-          <p:cNvPr id="42" name="Connettore diritto 41">
-            <a:extLst>
-              <a:ext uri="{FF2B5EF4-FFF2-40B4-BE49-F238E27FC236}">
-                <a16:creationId xmlns:a16="http://schemas.microsoft.com/office/drawing/2014/main" id="{C50FF3B2-0158-4BA7-9722-044DD27D00F1}"/>
-              </a:ext>
-            </a:extLst>
-          </p:cNvPr>
-          <p:cNvCxnSpPr>
-            <a:cxnSpLocks/>
-            <a:stCxn id="15" idx="2"/>
-            <a:endCxn id="97" idx="0"/>
-          </p:cNvCxnSpPr>
-          <p:nvPr/>
-        </p:nvCxnSpPr>
-        <p:spPr>
-          <a:xfrm>
-            <a:off x="5021742" y="3627560"/>
-            <a:ext cx="0" cy="317121"/>
-          </a:xfrm>
-          <a:prstGeom prst="line">
-            <a:avLst/>
-          </a:prstGeom>
-          <a:ln>
-            <a:solidFill>
-              <a:schemeClr val="accent4">
-                <a:lumMod val="50000"/>
-              </a:schemeClr>
-            </a:solidFill>
-          </a:ln>
-        </p:spPr>
-        <p:style>
-          <a:lnRef idx="1">
-            <a:schemeClr val="accent1"/>
-          </a:lnRef>
-          <a:fillRef idx="0">
-            <a:schemeClr val="accent1"/>
-          </a:fillRef>
-          <a:effectRef idx="0">
-            <a:schemeClr val="accent1"/>
-          </a:effectRef>
-          <a:fontRef idx="minor">
-            <a:schemeClr val="tx1"/>
-          </a:fontRef>
-        </p:style>
-      </p:cxnSp>
       <p:sp>
         <p:nvSpPr>
           <p:cNvPr id="45" name="Rettangolo 44">
@@ -5360,7 +5177,7 @@
         </p:nvSpPr>
         <p:spPr>
           <a:xfrm>
-            <a:off x="8245642" y="4784635"/>
+            <a:off x="4948444" y="2317401"/>
             <a:ext cx="1572127" cy="625642"/>
           </a:xfrm>
           <a:prstGeom prst="rect">
@@ -5417,53 +5234,6 @@
           </a:p>
         </p:txBody>
       </p:sp>
-      <p:cxnSp>
-        <p:nvCxnSpPr>
-          <p:cNvPr id="46" name="Connettore diritto 45">
-            <a:extLst>
-              <a:ext uri="{FF2B5EF4-FFF2-40B4-BE49-F238E27FC236}">
-                <a16:creationId xmlns:a16="http://schemas.microsoft.com/office/drawing/2014/main" id="{7BDA317E-B767-47B0-B02D-8D3B0D185919}"/>
-              </a:ext>
-            </a:extLst>
-          </p:cNvPr>
-          <p:cNvCxnSpPr>
-            <a:cxnSpLocks/>
-            <a:stCxn id="105" idx="1"/>
-            <a:endCxn id="34" idx="3"/>
-          </p:cNvCxnSpPr>
-          <p:nvPr/>
-        </p:nvCxnSpPr>
-        <p:spPr>
-          <a:xfrm flipH="1" flipV="1">
-            <a:off x="5807804" y="5097451"/>
-            <a:ext cx="540858" cy="5"/>
-          </a:xfrm>
-          <a:prstGeom prst="line">
-            <a:avLst/>
-          </a:prstGeom>
-          <a:ln>
-            <a:solidFill>
-              <a:schemeClr val="accent4">
-                <a:lumMod val="50000"/>
-              </a:schemeClr>
-            </a:solidFill>
-          </a:ln>
-        </p:spPr>
-        <p:style>
-          <a:lnRef idx="1">
-            <a:schemeClr val="accent1"/>
-          </a:lnRef>
-          <a:fillRef idx="0">
-            <a:schemeClr val="accent1"/>
-          </a:fillRef>
-          <a:effectRef idx="0">
-            <a:schemeClr val="accent1"/>
-          </a:effectRef>
-          <a:fontRef idx="minor">
-            <a:schemeClr val="tx1"/>
-          </a:fontRef>
-        </p:style>
-      </p:cxnSp>
       <p:sp>
         <p:nvSpPr>
           <p:cNvPr id="56" name="Rombo 55">
@@ -5478,7 +5248,7 @@
         </p:nvSpPr>
         <p:spPr>
           <a:xfrm>
-            <a:off x="2370221" y="1219200"/>
+            <a:off x="393028" y="3240135"/>
             <a:ext cx="1387641" cy="625638"/>
           </a:xfrm>
           <a:prstGeom prst="diamond">
@@ -5546,15 +5316,15 @@
           </p:cNvPr>
           <p:cNvCxnSpPr>
             <a:cxnSpLocks/>
-            <a:stCxn id="56" idx="3"/>
-            <a:endCxn id="8" idx="1"/>
+            <a:stCxn id="56" idx="0"/>
+            <a:endCxn id="8" idx="2"/>
           </p:cNvCxnSpPr>
           <p:nvPr/>
         </p:nvCxnSpPr>
         <p:spPr>
-          <a:xfrm>
-            <a:off x="3757862" y="1532019"/>
-            <a:ext cx="509338" cy="2"/>
+          <a:xfrm flipV="1">
+            <a:off x="1086849" y="2937419"/>
+            <a:ext cx="1" cy="302716"/>
           </a:xfrm>
           <a:prstGeom prst="line">
             <a:avLst/>
@@ -5596,7 +5366,7 @@
         </p:nvSpPr>
         <p:spPr>
           <a:xfrm>
-            <a:off x="6193401" y="1219200"/>
+            <a:off x="315396" y="1533597"/>
             <a:ext cx="1542903" cy="625638"/>
           </a:xfrm>
           <a:prstGeom prst="diamond">
@@ -5664,15 +5434,15 @@
           </p:cNvPr>
           <p:cNvCxnSpPr>
             <a:cxnSpLocks/>
-            <a:stCxn id="12" idx="1"/>
-            <a:endCxn id="63" idx="3"/>
+            <a:stCxn id="12" idx="2"/>
+            <a:endCxn id="63" idx="0"/>
           </p:cNvCxnSpPr>
           <p:nvPr/>
         </p:nvCxnSpPr>
         <p:spPr>
-          <a:xfrm flipH="1" flipV="1">
-            <a:off x="7736304" y="1532019"/>
-            <a:ext cx="509339" cy="2"/>
+          <a:xfrm flipH="1">
+            <a:off x="1086848" y="1386020"/>
+            <a:ext cx="2" cy="147577"/>
           </a:xfrm>
           <a:prstGeom prst="line">
             <a:avLst/>
@@ -5714,7 +5484,7 @@
         </p:nvSpPr>
         <p:spPr>
           <a:xfrm>
-            <a:off x="8139784" y="2995006"/>
+            <a:off x="2424858" y="758748"/>
             <a:ext cx="1778573" cy="625638"/>
           </a:xfrm>
           <a:prstGeom prst="diamond">
@@ -5773,24 +5543,24 @@
       </p:sp>
       <p:cxnSp>
         <p:nvCxnSpPr>
-          <p:cNvPr id="72" name="Connettore diritto 71">
-            <a:extLst>
-              <a:ext uri="{FF2B5EF4-FFF2-40B4-BE49-F238E27FC236}">
-                <a16:creationId xmlns:a16="http://schemas.microsoft.com/office/drawing/2014/main" id="{860061BB-7295-45FE-886D-EC299796C177}"/>
+          <p:cNvPr id="75" name="Connettore diritto 74">
+            <a:extLst>
+              <a:ext uri="{FF2B5EF4-FFF2-40B4-BE49-F238E27FC236}">
+                <a16:creationId xmlns:a16="http://schemas.microsoft.com/office/drawing/2014/main" id="{1DBD4619-B126-4CE4-9A6A-EEA80C349249}"/>
               </a:ext>
             </a:extLst>
           </p:cNvPr>
           <p:cNvCxnSpPr>
             <a:cxnSpLocks/>
-            <a:stCxn id="70" idx="1"/>
-            <a:endCxn id="15" idx="3"/>
+            <a:stCxn id="12" idx="3"/>
+            <a:endCxn id="70" idx="1"/>
           </p:cNvCxnSpPr>
           <p:nvPr/>
         </p:nvCxnSpPr>
         <p:spPr>
-          <a:xfrm flipH="1">
-            <a:off x="6000874" y="3307825"/>
-            <a:ext cx="2138910" cy="6914"/>
+          <a:xfrm flipV="1">
+            <a:off x="1872913" y="1071567"/>
+            <a:ext cx="551945" cy="1632"/>
           </a:xfrm>
           <a:prstGeom prst="line">
             <a:avLst/>
@@ -5818,53 +5588,6 @@
           </a:fontRef>
         </p:style>
       </p:cxnSp>
-      <p:cxnSp>
-        <p:nvCxnSpPr>
-          <p:cNvPr id="75" name="Connettore diritto 74">
-            <a:extLst>
-              <a:ext uri="{FF2B5EF4-FFF2-40B4-BE49-F238E27FC236}">
-                <a16:creationId xmlns:a16="http://schemas.microsoft.com/office/drawing/2014/main" id="{1DBD4619-B126-4CE4-9A6A-EEA80C349249}"/>
-              </a:ext>
-            </a:extLst>
-          </p:cNvPr>
-          <p:cNvCxnSpPr>
-            <a:cxnSpLocks/>
-            <a:stCxn id="12" idx="2"/>
-            <a:endCxn id="70" idx="0"/>
-          </p:cNvCxnSpPr>
-          <p:nvPr/>
-        </p:nvCxnSpPr>
-        <p:spPr>
-          <a:xfrm flipH="1">
-            <a:off x="9029071" y="1844842"/>
-            <a:ext cx="2636" cy="1150164"/>
-          </a:xfrm>
-          <a:prstGeom prst="line">
-            <a:avLst/>
-          </a:prstGeom>
-          <a:ln>
-            <a:solidFill>
-              <a:schemeClr val="accent4">
-                <a:lumMod val="50000"/>
-              </a:schemeClr>
-            </a:solidFill>
-          </a:ln>
-        </p:spPr>
-        <p:style>
-          <a:lnRef idx="1">
-            <a:schemeClr val="accent1"/>
-          </a:lnRef>
-          <a:fillRef idx="0">
-            <a:schemeClr val="accent1"/>
-          </a:fillRef>
-          <a:effectRef idx="0">
-            <a:schemeClr val="accent1"/>
-          </a:effectRef>
-          <a:fontRef idx="minor">
-            <a:schemeClr val="tx1"/>
-          </a:fontRef>
-        </p:style>
-      </p:cxnSp>
       <p:sp>
         <p:nvSpPr>
           <p:cNvPr id="79" name="Rombo 78">
@@ -5879,7 +5602,7 @@
         </p:nvSpPr>
         <p:spPr>
           <a:xfrm>
-            <a:off x="2085475" y="3001915"/>
+            <a:off x="7253369" y="4157362"/>
             <a:ext cx="1733674" cy="625638"/>
           </a:xfrm>
           <a:prstGeom prst="diamond">
@@ -5936,53 +5659,6 @@
           </a:p>
         </p:txBody>
       </p:sp>
-      <p:cxnSp>
-        <p:nvCxnSpPr>
-          <p:cNvPr id="81" name="Connettore diritto 80">
-            <a:extLst>
-              <a:ext uri="{FF2B5EF4-FFF2-40B4-BE49-F238E27FC236}">
-                <a16:creationId xmlns:a16="http://schemas.microsoft.com/office/drawing/2014/main" id="{11E6B164-3587-456A-954D-BC7BE118172E}"/>
-              </a:ext>
-            </a:extLst>
-          </p:cNvPr>
-          <p:cNvCxnSpPr>
-            <a:cxnSpLocks/>
-            <a:stCxn id="15" idx="1"/>
-            <a:endCxn id="79" idx="3"/>
-          </p:cNvCxnSpPr>
-          <p:nvPr/>
-        </p:nvCxnSpPr>
-        <p:spPr>
-          <a:xfrm flipH="1" flipV="1">
-            <a:off x="3819149" y="3314734"/>
-            <a:ext cx="223461" cy="5"/>
-          </a:xfrm>
-          <a:prstGeom prst="line">
-            <a:avLst/>
-          </a:prstGeom>
-          <a:ln>
-            <a:solidFill>
-              <a:schemeClr val="accent4">
-                <a:lumMod val="50000"/>
-              </a:schemeClr>
-            </a:solidFill>
-          </a:ln>
-        </p:spPr>
-        <p:style>
-          <a:lnRef idx="1">
-            <a:schemeClr val="accent1"/>
-          </a:lnRef>
-          <a:fillRef idx="0">
-            <a:schemeClr val="accent1"/>
-          </a:fillRef>
-          <a:effectRef idx="0">
-            <a:schemeClr val="accent1"/>
-          </a:effectRef>
-          <a:fontRef idx="minor">
-            <a:schemeClr val="tx1"/>
-          </a:fontRef>
-        </p:style>
-      </p:cxnSp>
       <p:sp>
         <p:nvSpPr>
           <p:cNvPr id="84" name="Rombo 83">
@@ -5997,7 +5673,7 @@
         </p:nvSpPr>
         <p:spPr>
           <a:xfrm>
-            <a:off x="380999" y="3893278"/>
+            <a:off x="5040686" y="3238196"/>
             <a:ext cx="1387641" cy="625638"/>
           </a:xfrm>
           <a:prstGeom prst="diamond">
@@ -6054,53 +5730,6 @@
           </a:p>
         </p:txBody>
       </p:sp>
-      <p:cxnSp>
-        <p:nvCxnSpPr>
-          <p:cNvPr id="87" name="Connettore diritto 86">
-            <a:extLst>
-              <a:ext uri="{FF2B5EF4-FFF2-40B4-BE49-F238E27FC236}">
-                <a16:creationId xmlns:a16="http://schemas.microsoft.com/office/drawing/2014/main" id="{6316613A-DC74-4581-B6CC-2CF84E95036A}"/>
-              </a:ext>
-            </a:extLst>
-          </p:cNvPr>
-          <p:cNvCxnSpPr>
-            <a:cxnSpLocks/>
-            <a:stCxn id="84" idx="2"/>
-            <a:endCxn id="35" idx="0"/>
-          </p:cNvCxnSpPr>
-          <p:nvPr/>
-        </p:nvCxnSpPr>
-        <p:spPr>
-          <a:xfrm>
-            <a:off x="1074820" y="4518916"/>
-            <a:ext cx="1" cy="265719"/>
-          </a:xfrm>
-          <a:prstGeom prst="line">
-            <a:avLst/>
-          </a:prstGeom>
-          <a:ln>
-            <a:solidFill>
-              <a:schemeClr val="accent4">
-                <a:lumMod val="50000"/>
-              </a:schemeClr>
-            </a:solidFill>
-          </a:ln>
-        </p:spPr>
-        <p:style>
-          <a:lnRef idx="1">
-            <a:schemeClr val="accent1"/>
-          </a:lnRef>
-          <a:fillRef idx="0">
-            <a:schemeClr val="accent1"/>
-          </a:fillRef>
-          <a:effectRef idx="0">
-            <a:schemeClr val="accent1"/>
-          </a:effectRef>
-          <a:fontRef idx="minor">
-            <a:schemeClr val="tx1"/>
-          </a:fontRef>
-        </p:style>
-      </p:cxnSp>
       <p:sp>
         <p:nvSpPr>
           <p:cNvPr id="90" name="Rombo 89">
@@ -6115,7 +5744,7 @@
         </p:nvSpPr>
         <p:spPr>
           <a:xfrm>
-            <a:off x="2185735" y="4784630"/>
+            <a:off x="7304959" y="756308"/>
             <a:ext cx="1814579" cy="625638"/>
           </a:xfrm>
           <a:prstGeom prst="diamond">
@@ -6172,53 +5801,6 @@
           </a:p>
         </p:txBody>
       </p:sp>
-      <p:cxnSp>
-        <p:nvCxnSpPr>
-          <p:cNvPr id="92" name="Connettore diritto 91">
-            <a:extLst>
-              <a:ext uri="{FF2B5EF4-FFF2-40B4-BE49-F238E27FC236}">
-                <a16:creationId xmlns:a16="http://schemas.microsoft.com/office/drawing/2014/main" id="{B6BB10FB-427C-4669-A469-581C03C504E2}"/>
-              </a:ext>
-            </a:extLst>
-          </p:cNvPr>
-          <p:cNvCxnSpPr>
-            <a:cxnSpLocks/>
-            <a:stCxn id="34" idx="1"/>
-            <a:endCxn id="90" idx="3"/>
-          </p:cNvCxnSpPr>
-          <p:nvPr/>
-        </p:nvCxnSpPr>
-        <p:spPr>
-          <a:xfrm flipH="1" flipV="1">
-            <a:off x="4000314" y="5097449"/>
-            <a:ext cx="235363" cy="2"/>
-          </a:xfrm>
-          <a:prstGeom prst="line">
-            <a:avLst/>
-          </a:prstGeom>
-          <a:ln>
-            <a:solidFill>
-              <a:schemeClr val="accent4">
-                <a:lumMod val="50000"/>
-              </a:schemeClr>
-            </a:solidFill>
-          </a:ln>
-        </p:spPr>
-        <p:style>
-          <a:lnRef idx="1">
-            <a:schemeClr val="accent1"/>
-          </a:lnRef>
-          <a:fillRef idx="0">
-            <a:schemeClr val="accent1"/>
-          </a:fillRef>
-          <a:effectRef idx="0">
-            <a:schemeClr val="accent1"/>
-          </a:effectRef>
-          <a:fontRef idx="minor">
-            <a:schemeClr val="tx1"/>
-          </a:fontRef>
-        </p:style>
-      </p:cxnSp>
       <p:sp>
         <p:nvSpPr>
           <p:cNvPr id="97" name="Rombo 96">
@@ -6233,8 +5815,8 @@
         </p:nvSpPr>
         <p:spPr>
           <a:xfrm>
-            <a:off x="4327921" y="3944681"/>
-            <a:ext cx="1387641" cy="625638"/>
+            <a:off x="9719842" y="2310155"/>
+            <a:ext cx="1572125" cy="625638"/>
           </a:xfrm>
           <a:prstGeom prst="diamond">
             <a:avLst/>
@@ -6290,53 +5872,6 @@
           </a:p>
         </p:txBody>
       </p:sp>
-      <p:cxnSp>
-        <p:nvCxnSpPr>
-          <p:cNvPr id="102" name="Connettore diritto 101">
-            <a:extLst>
-              <a:ext uri="{FF2B5EF4-FFF2-40B4-BE49-F238E27FC236}">
-                <a16:creationId xmlns:a16="http://schemas.microsoft.com/office/drawing/2014/main" id="{17D19B99-33BC-4358-B259-AD69A9B726B6}"/>
-              </a:ext>
-            </a:extLst>
-          </p:cNvPr>
-          <p:cNvCxnSpPr>
-            <a:cxnSpLocks/>
-            <a:stCxn id="97" idx="2"/>
-            <a:endCxn id="34" idx="0"/>
-          </p:cNvCxnSpPr>
-          <p:nvPr/>
-        </p:nvCxnSpPr>
-        <p:spPr>
-          <a:xfrm flipH="1">
-            <a:off x="5021741" y="4570319"/>
-            <a:ext cx="1" cy="214311"/>
-          </a:xfrm>
-          <a:prstGeom prst="line">
-            <a:avLst/>
-          </a:prstGeom>
-          <a:ln>
-            <a:solidFill>
-              <a:schemeClr val="accent4">
-                <a:lumMod val="50000"/>
-              </a:schemeClr>
-            </a:solidFill>
-          </a:ln>
-        </p:spPr>
-        <p:style>
-          <a:lnRef idx="1">
-            <a:schemeClr val="accent1"/>
-          </a:lnRef>
-          <a:fillRef idx="0">
-            <a:schemeClr val="accent1"/>
-          </a:fillRef>
-          <a:effectRef idx="0">
-            <a:schemeClr val="accent1"/>
-          </a:effectRef>
-          <a:fontRef idx="minor">
-            <a:schemeClr val="tx1"/>
-          </a:fontRef>
-        </p:style>
-      </p:cxnSp>
       <p:sp>
         <p:nvSpPr>
           <p:cNvPr id="105" name="Rombo 104">
@@ -6351,8 +5886,8 @@
         </p:nvSpPr>
         <p:spPr>
           <a:xfrm>
-            <a:off x="6348662" y="4784637"/>
-            <a:ext cx="1387641" cy="625638"/>
+            <a:off x="2528080" y="4158988"/>
+            <a:ext cx="1572127" cy="625638"/>
           </a:xfrm>
           <a:prstGeom prst="diamond">
             <a:avLst/>
@@ -6398,7 +5933,7 @@
                   <a:schemeClr val="tx1"/>
                 </a:solidFill>
               </a:rPr>
-              <a:t>own</a:t>
+              <a:t>insert</a:t>
             </a:r>
             <a:endParaRPr lang="it-IT" dirty="0">
               <a:solidFill>
@@ -6408,53 +5943,6 @@
           </a:p>
         </p:txBody>
       </p:sp>
-      <p:cxnSp>
-        <p:nvCxnSpPr>
-          <p:cNvPr id="107" name="Connettore diritto 106">
-            <a:extLst>
-              <a:ext uri="{FF2B5EF4-FFF2-40B4-BE49-F238E27FC236}">
-                <a16:creationId xmlns:a16="http://schemas.microsoft.com/office/drawing/2014/main" id="{376A4137-707D-4577-A3E4-51A2F59E21ED}"/>
-              </a:ext>
-            </a:extLst>
-          </p:cNvPr>
-          <p:cNvCxnSpPr>
-            <a:cxnSpLocks/>
-            <a:stCxn id="105" idx="3"/>
-            <a:endCxn id="45" idx="1"/>
-          </p:cNvCxnSpPr>
-          <p:nvPr/>
-        </p:nvCxnSpPr>
-        <p:spPr>
-          <a:xfrm>
-            <a:off x="7736303" y="5097456"/>
-            <a:ext cx="509339" cy="0"/>
-          </a:xfrm>
-          <a:prstGeom prst="line">
-            <a:avLst/>
-          </a:prstGeom>
-          <a:ln>
-            <a:solidFill>
-              <a:schemeClr val="accent4">
-                <a:lumMod val="50000"/>
-              </a:schemeClr>
-            </a:solidFill>
-          </a:ln>
-        </p:spPr>
-        <p:style>
-          <a:lnRef idx="1">
-            <a:schemeClr val="accent1"/>
-          </a:lnRef>
-          <a:fillRef idx="0">
-            <a:schemeClr val="accent1"/>
-          </a:fillRef>
-          <a:effectRef idx="0">
-            <a:schemeClr val="accent1"/>
-          </a:effectRef>
-          <a:fontRef idx="minor">
-            <a:schemeClr val="tx1"/>
-          </a:fontRef>
-        </p:style>
-      </p:cxnSp>
       <p:sp>
         <p:nvSpPr>
           <p:cNvPr id="113" name="CasellaDiTesto 112">
@@ -6469,7 +5957,7 @@
         </p:nvSpPr>
         <p:spPr>
           <a:xfrm>
-            <a:off x="1821882" y="1229998"/>
+            <a:off x="9119538" y="750032"/>
             <a:ext cx="727705" cy="338554"/>
           </a:xfrm>
           <a:prstGeom prst="rect">
@@ -6492,531 +5980,6 @@
       </p:sp>
       <p:sp>
         <p:nvSpPr>
-          <p:cNvPr id="114" name="CasellaDiTesto 113">
-            <a:extLst>
-              <a:ext uri="{FF2B5EF4-FFF2-40B4-BE49-F238E27FC236}">
-                <a16:creationId xmlns:a16="http://schemas.microsoft.com/office/drawing/2014/main" id="{BC7EAF84-D55D-4582-BE4C-4B2AA542332A}"/>
-              </a:ext>
-            </a:extLst>
-          </p:cNvPr>
-          <p:cNvSpPr txBox="1"/>
-          <p:nvPr/>
-        </p:nvSpPr>
-        <p:spPr>
-          <a:xfrm>
-            <a:off x="3748082" y="1223244"/>
-            <a:ext cx="727705" cy="338554"/>
-          </a:xfrm>
-          <a:prstGeom prst="rect">
-            <a:avLst/>
-          </a:prstGeom>
-          <a:noFill/>
-        </p:spPr>
-        <p:txBody>
-          <a:bodyPr wrap="square" rtlCol="0">
-            <a:spAutoFit/>
-          </a:bodyPr>
-          <a:lstStyle/>
-          <a:p>
-            <a:r>
-              <a:rPr lang="it-IT" sz="1600" dirty="0"/>
-              <a:t>(1,1)</a:t>
-            </a:r>
-          </a:p>
-        </p:txBody>
-      </p:sp>
-      <p:sp>
-        <p:nvSpPr>
-          <p:cNvPr id="115" name="CasellaDiTesto 114">
-            <a:extLst>
-              <a:ext uri="{FF2B5EF4-FFF2-40B4-BE49-F238E27FC236}">
-                <a16:creationId xmlns:a16="http://schemas.microsoft.com/office/drawing/2014/main" id="{26CE3607-7158-4F4B-9FD7-EBCEB8EAEAE2}"/>
-              </a:ext>
-            </a:extLst>
-          </p:cNvPr>
-          <p:cNvSpPr txBox="1"/>
-          <p:nvPr/>
-        </p:nvSpPr>
-        <p:spPr>
-          <a:xfrm>
-            <a:off x="5800324" y="1217014"/>
-            <a:ext cx="727705" cy="338554"/>
-          </a:xfrm>
-          <a:prstGeom prst="rect">
-            <a:avLst/>
-          </a:prstGeom>
-          <a:noFill/>
-        </p:spPr>
-        <p:txBody>
-          <a:bodyPr wrap="square" rtlCol="0">
-            <a:spAutoFit/>
-          </a:bodyPr>
-          <a:lstStyle/>
-          <a:p>
-            <a:r>
-              <a:rPr lang="it-IT" sz="1600" dirty="0"/>
-              <a:t>(1,1)</a:t>
-            </a:r>
-          </a:p>
-        </p:txBody>
-      </p:sp>
-      <p:sp>
-        <p:nvSpPr>
-          <p:cNvPr id="116" name="CasellaDiTesto 115">
-            <a:extLst>
-              <a:ext uri="{FF2B5EF4-FFF2-40B4-BE49-F238E27FC236}">
-                <a16:creationId xmlns:a16="http://schemas.microsoft.com/office/drawing/2014/main" id="{47EF2393-1B6E-450D-9275-1CC731E3A65D}"/>
-              </a:ext>
-            </a:extLst>
-          </p:cNvPr>
-          <p:cNvSpPr txBox="1"/>
-          <p:nvPr/>
-        </p:nvSpPr>
-        <p:spPr>
-          <a:xfrm>
-            <a:off x="7732903" y="1219200"/>
-            <a:ext cx="727705" cy="338554"/>
-          </a:xfrm>
-          <a:prstGeom prst="rect">
-            <a:avLst/>
-          </a:prstGeom>
-          <a:noFill/>
-        </p:spPr>
-        <p:txBody>
-          <a:bodyPr wrap="square" rtlCol="0">
-            <a:spAutoFit/>
-          </a:bodyPr>
-          <a:lstStyle/>
-          <a:p>
-            <a:r>
-              <a:rPr lang="it-IT" sz="1600" dirty="0"/>
-              <a:t>(1,n)</a:t>
-            </a:r>
-          </a:p>
-        </p:txBody>
-      </p:sp>
-      <p:sp>
-        <p:nvSpPr>
-          <p:cNvPr id="117" name="CasellaDiTesto 116">
-            <a:extLst>
-              <a:ext uri="{FF2B5EF4-FFF2-40B4-BE49-F238E27FC236}">
-                <a16:creationId xmlns:a16="http://schemas.microsoft.com/office/drawing/2014/main" id="{DF399AC3-05F3-4EF4-823C-14D306977837}"/>
-              </a:ext>
-            </a:extLst>
-          </p:cNvPr>
-          <p:cNvSpPr txBox="1"/>
-          <p:nvPr/>
-        </p:nvSpPr>
-        <p:spPr>
-          <a:xfrm>
-            <a:off x="8997820" y="1819107"/>
-            <a:ext cx="727705" cy="338554"/>
-          </a:xfrm>
-          <a:prstGeom prst="rect">
-            <a:avLst/>
-          </a:prstGeom>
-          <a:noFill/>
-        </p:spPr>
-        <p:txBody>
-          <a:bodyPr wrap="square" rtlCol="0">
-            <a:spAutoFit/>
-          </a:bodyPr>
-          <a:lstStyle/>
-          <a:p>
-            <a:r>
-              <a:rPr lang="it-IT" sz="1600" dirty="0"/>
-              <a:t>(1,n)</a:t>
-            </a:r>
-          </a:p>
-        </p:txBody>
-      </p:sp>
-      <p:sp>
-        <p:nvSpPr>
-          <p:cNvPr id="118" name="CasellaDiTesto 117">
-            <a:extLst>
-              <a:ext uri="{FF2B5EF4-FFF2-40B4-BE49-F238E27FC236}">
-                <a16:creationId xmlns:a16="http://schemas.microsoft.com/office/drawing/2014/main" id="{37CCDBED-0FC1-4051-8B71-AAB19671D055}"/>
-              </a:ext>
-            </a:extLst>
-          </p:cNvPr>
-          <p:cNvSpPr txBox="1"/>
-          <p:nvPr/>
-        </p:nvSpPr>
-        <p:spPr>
-          <a:xfrm>
-            <a:off x="5967944" y="2972141"/>
-            <a:ext cx="727705" cy="338554"/>
-          </a:xfrm>
-          <a:prstGeom prst="rect">
-            <a:avLst/>
-          </a:prstGeom>
-          <a:noFill/>
-        </p:spPr>
-        <p:txBody>
-          <a:bodyPr wrap="square" rtlCol="0">
-            <a:spAutoFit/>
-          </a:bodyPr>
-          <a:lstStyle/>
-          <a:p>
-            <a:r>
-              <a:rPr lang="it-IT" sz="1600" dirty="0"/>
-              <a:t>(1,1)</a:t>
-            </a:r>
-          </a:p>
-        </p:txBody>
-      </p:sp>
-      <p:sp>
-        <p:nvSpPr>
-          <p:cNvPr id="119" name="CasellaDiTesto 118">
-            <a:extLst>
-              <a:ext uri="{FF2B5EF4-FFF2-40B4-BE49-F238E27FC236}">
-                <a16:creationId xmlns:a16="http://schemas.microsoft.com/office/drawing/2014/main" id="{0F887BF8-7D38-4B58-BC03-C6819512662A}"/>
-              </a:ext>
-            </a:extLst>
-          </p:cNvPr>
-          <p:cNvSpPr txBox="1"/>
-          <p:nvPr/>
-        </p:nvSpPr>
-        <p:spPr>
-          <a:xfrm>
-            <a:off x="3507972" y="2946403"/>
-            <a:ext cx="727705" cy="338554"/>
-          </a:xfrm>
-          <a:prstGeom prst="rect">
-            <a:avLst/>
-          </a:prstGeom>
-          <a:noFill/>
-        </p:spPr>
-        <p:txBody>
-          <a:bodyPr wrap="square" rtlCol="0">
-            <a:spAutoFit/>
-          </a:bodyPr>
-          <a:lstStyle/>
-          <a:p>
-            <a:r>
-              <a:rPr lang="it-IT" sz="1600" dirty="0"/>
-              <a:t>(1,n)</a:t>
-            </a:r>
-          </a:p>
-        </p:txBody>
-      </p:sp>
-      <p:sp>
-        <p:nvSpPr>
-          <p:cNvPr id="124" name="CasellaDiTesto 123">
-            <a:extLst>
-              <a:ext uri="{FF2B5EF4-FFF2-40B4-BE49-F238E27FC236}">
-                <a16:creationId xmlns:a16="http://schemas.microsoft.com/office/drawing/2014/main" id="{54153945-133A-4F70-982A-8C7B76B94B30}"/>
-              </a:ext>
-            </a:extLst>
-          </p:cNvPr>
-          <p:cNvSpPr txBox="1"/>
-          <p:nvPr/>
-        </p:nvSpPr>
-        <p:spPr>
-          <a:xfrm>
-            <a:off x="1817600" y="2939149"/>
-            <a:ext cx="727705" cy="338554"/>
-          </a:xfrm>
-          <a:prstGeom prst="rect">
-            <a:avLst/>
-          </a:prstGeom>
-          <a:noFill/>
-        </p:spPr>
-        <p:txBody>
-          <a:bodyPr wrap="square" rtlCol="0">
-            <a:spAutoFit/>
-          </a:bodyPr>
-          <a:lstStyle/>
-          <a:p>
-            <a:r>
-              <a:rPr lang="it-IT" sz="1600" dirty="0"/>
-              <a:t>(1,?)</a:t>
-            </a:r>
-          </a:p>
-        </p:txBody>
-      </p:sp>
-      <p:sp>
-        <p:nvSpPr>
-          <p:cNvPr id="125" name="CasellaDiTesto 124">
-            <a:extLst>
-              <a:ext uri="{FF2B5EF4-FFF2-40B4-BE49-F238E27FC236}">
-                <a16:creationId xmlns:a16="http://schemas.microsoft.com/office/drawing/2014/main" id="{6C8404C9-1A65-4A7A-9CBA-20D703037245}"/>
-              </a:ext>
-            </a:extLst>
-          </p:cNvPr>
-          <p:cNvSpPr txBox="1"/>
-          <p:nvPr/>
-        </p:nvSpPr>
-        <p:spPr>
-          <a:xfrm>
-            <a:off x="1040935" y="3586117"/>
-            <a:ext cx="727705" cy="338554"/>
-          </a:xfrm>
-          <a:prstGeom prst="rect">
-            <a:avLst/>
-          </a:prstGeom>
-          <a:noFill/>
-        </p:spPr>
-        <p:txBody>
-          <a:bodyPr wrap="square" rtlCol="0">
-            <a:spAutoFit/>
-          </a:bodyPr>
-          <a:lstStyle/>
-          <a:p>
-            <a:r>
-              <a:rPr lang="it-IT" sz="1600" dirty="0"/>
-              <a:t>(1,n)</a:t>
-            </a:r>
-          </a:p>
-        </p:txBody>
-      </p:sp>
-      <p:sp>
-        <p:nvSpPr>
-          <p:cNvPr id="126" name="CasellaDiTesto 125">
-            <a:extLst>
-              <a:ext uri="{FF2B5EF4-FFF2-40B4-BE49-F238E27FC236}">
-                <a16:creationId xmlns:a16="http://schemas.microsoft.com/office/drawing/2014/main" id="{D729276E-DE71-4D00-A931-1439D7EA8FB5}"/>
-              </a:ext>
-            </a:extLst>
-          </p:cNvPr>
-          <p:cNvSpPr txBox="1"/>
-          <p:nvPr/>
-        </p:nvSpPr>
-        <p:spPr>
-          <a:xfrm>
-            <a:off x="1046322" y="4488403"/>
-            <a:ext cx="727705" cy="338554"/>
-          </a:xfrm>
-          <a:prstGeom prst="rect">
-            <a:avLst/>
-          </a:prstGeom>
-          <a:noFill/>
-        </p:spPr>
-        <p:txBody>
-          <a:bodyPr wrap="square" rtlCol="0">
-            <a:spAutoFit/>
-          </a:bodyPr>
-          <a:lstStyle/>
-          <a:p>
-            <a:r>
-              <a:rPr lang="it-IT" sz="1600" dirty="0"/>
-              <a:t>(1,1)</a:t>
-            </a:r>
-          </a:p>
-        </p:txBody>
-      </p:sp>
-      <p:sp>
-        <p:nvSpPr>
-          <p:cNvPr id="127" name="CasellaDiTesto 126">
-            <a:extLst>
-              <a:ext uri="{FF2B5EF4-FFF2-40B4-BE49-F238E27FC236}">
-                <a16:creationId xmlns:a16="http://schemas.microsoft.com/office/drawing/2014/main" id="{D0EA40B0-DD9F-4FCB-AAAD-E1F960AAD320}"/>
-              </a:ext>
-            </a:extLst>
-          </p:cNvPr>
-          <p:cNvSpPr txBox="1"/>
-          <p:nvPr/>
-        </p:nvSpPr>
-        <p:spPr>
-          <a:xfrm>
-            <a:off x="4986676" y="4482498"/>
-            <a:ext cx="727705" cy="338554"/>
-          </a:xfrm>
-          <a:prstGeom prst="rect">
-            <a:avLst/>
-          </a:prstGeom>
-          <a:noFill/>
-        </p:spPr>
-        <p:txBody>
-          <a:bodyPr wrap="square" rtlCol="0">
-            <a:spAutoFit/>
-          </a:bodyPr>
-          <a:lstStyle/>
-          <a:p>
-            <a:r>
-              <a:rPr lang="it-IT" sz="1600" dirty="0"/>
-              <a:t>(1,1)</a:t>
-            </a:r>
-          </a:p>
-        </p:txBody>
-      </p:sp>
-      <p:sp>
-        <p:nvSpPr>
-          <p:cNvPr id="128" name="CasellaDiTesto 127">
-            <a:extLst>
-              <a:ext uri="{FF2B5EF4-FFF2-40B4-BE49-F238E27FC236}">
-                <a16:creationId xmlns:a16="http://schemas.microsoft.com/office/drawing/2014/main" id="{806352CF-68C8-4148-8FA3-E7BCF01CAFCB}"/>
-              </a:ext>
-            </a:extLst>
-          </p:cNvPr>
-          <p:cNvSpPr txBox="1"/>
-          <p:nvPr/>
-        </p:nvSpPr>
-        <p:spPr>
-          <a:xfrm>
-            <a:off x="5053263" y="3606127"/>
-            <a:ext cx="727705" cy="338554"/>
-          </a:xfrm>
-          <a:prstGeom prst="rect">
-            <a:avLst/>
-          </a:prstGeom>
-          <a:noFill/>
-        </p:spPr>
-        <p:txBody>
-          <a:bodyPr wrap="square" rtlCol="0">
-            <a:spAutoFit/>
-          </a:bodyPr>
-          <a:lstStyle/>
-          <a:p>
-            <a:r>
-              <a:rPr lang="it-IT" sz="1600" dirty="0"/>
-              <a:t>(0,n)</a:t>
-            </a:r>
-          </a:p>
-        </p:txBody>
-      </p:sp>
-      <p:sp>
-        <p:nvSpPr>
-          <p:cNvPr id="129" name="CasellaDiTesto 128">
-            <a:extLst>
-              <a:ext uri="{FF2B5EF4-FFF2-40B4-BE49-F238E27FC236}">
-                <a16:creationId xmlns:a16="http://schemas.microsoft.com/office/drawing/2014/main" id="{F235FF88-9B52-40E4-89EB-22EA8F61519F}"/>
-              </a:ext>
-            </a:extLst>
-          </p:cNvPr>
-          <p:cNvSpPr txBox="1"/>
-          <p:nvPr/>
-        </p:nvSpPr>
-        <p:spPr>
-          <a:xfrm>
-            <a:off x="1801826" y="4764603"/>
-            <a:ext cx="727705" cy="338554"/>
-          </a:xfrm>
-          <a:prstGeom prst="rect">
-            <a:avLst/>
-          </a:prstGeom>
-          <a:noFill/>
-        </p:spPr>
-        <p:txBody>
-          <a:bodyPr wrap="square" rtlCol="0">
-            <a:spAutoFit/>
-          </a:bodyPr>
-          <a:lstStyle/>
-          <a:p>
-            <a:r>
-              <a:rPr lang="it-IT" sz="1600" dirty="0"/>
-              <a:t>(1,1)</a:t>
-            </a:r>
-          </a:p>
-        </p:txBody>
-      </p:sp>
-      <p:sp>
-        <p:nvSpPr>
-          <p:cNvPr id="130" name="CasellaDiTesto 129">
-            <a:extLst>
-              <a:ext uri="{FF2B5EF4-FFF2-40B4-BE49-F238E27FC236}">
-                <a16:creationId xmlns:a16="http://schemas.microsoft.com/office/drawing/2014/main" id="{591C4971-1085-4DEE-807E-9BF2E5772D18}"/>
-              </a:ext>
-            </a:extLst>
-          </p:cNvPr>
-          <p:cNvSpPr txBox="1"/>
-          <p:nvPr/>
-        </p:nvSpPr>
-        <p:spPr>
-          <a:xfrm>
-            <a:off x="3737805" y="4770808"/>
-            <a:ext cx="727705" cy="338554"/>
-          </a:xfrm>
-          <a:prstGeom prst="rect">
-            <a:avLst/>
-          </a:prstGeom>
-          <a:noFill/>
-        </p:spPr>
-        <p:txBody>
-          <a:bodyPr wrap="square" rtlCol="0">
-            <a:spAutoFit/>
-          </a:bodyPr>
-          <a:lstStyle/>
-          <a:p>
-            <a:r>
-              <a:rPr lang="it-IT" sz="1600" dirty="0"/>
-              <a:t>(1,n)</a:t>
-            </a:r>
-          </a:p>
-        </p:txBody>
-      </p:sp>
-      <p:sp>
-        <p:nvSpPr>
-          <p:cNvPr id="131" name="CasellaDiTesto 130">
-            <a:extLst>
-              <a:ext uri="{FF2B5EF4-FFF2-40B4-BE49-F238E27FC236}">
-                <a16:creationId xmlns:a16="http://schemas.microsoft.com/office/drawing/2014/main" id="{82CF2B26-F71B-4A86-A8A9-ABA976EBB8D9}"/>
-              </a:ext>
-            </a:extLst>
-          </p:cNvPr>
-          <p:cNvSpPr txBox="1"/>
-          <p:nvPr/>
-        </p:nvSpPr>
-        <p:spPr>
-          <a:xfrm>
-            <a:off x="5749446" y="4763626"/>
-            <a:ext cx="727705" cy="338554"/>
-          </a:xfrm>
-          <a:prstGeom prst="rect">
-            <a:avLst/>
-          </a:prstGeom>
-          <a:noFill/>
-        </p:spPr>
-        <p:txBody>
-          <a:bodyPr wrap="square" rtlCol="0">
-            <a:spAutoFit/>
-          </a:bodyPr>
-          <a:lstStyle/>
-          <a:p>
-            <a:r>
-              <a:rPr lang="it-IT" sz="1600" dirty="0"/>
-              <a:t>(0,1)</a:t>
-            </a:r>
-          </a:p>
-        </p:txBody>
-      </p:sp>
-      <p:sp>
-        <p:nvSpPr>
-          <p:cNvPr id="132" name="CasellaDiTesto 131">
-            <a:extLst>
-              <a:ext uri="{FF2B5EF4-FFF2-40B4-BE49-F238E27FC236}">
-                <a16:creationId xmlns:a16="http://schemas.microsoft.com/office/drawing/2014/main" id="{ACEB0C85-5324-4D69-AC21-728AABE41C70}"/>
-              </a:ext>
-            </a:extLst>
-          </p:cNvPr>
-          <p:cNvSpPr txBox="1"/>
-          <p:nvPr/>
-        </p:nvSpPr>
-        <p:spPr>
-          <a:xfrm>
-            <a:off x="7753300" y="4770808"/>
-            <a:ext cx="727705" cy="338554"/>
-          </a:xfrm>
-          <a:prstGeom prst="rect">
-            <a:avLst/>
-          </a:prstGeom>
-          <a:noFill/>
-        </p:spPr>
-        <p:txBody>
-          <a:bodyPr wrap="square" rtlCol="0">
-            <a:spAutoFit/>
-          </a:bodyPr>
-          <a:lstStyle/>
-          <a:p>
-            <a:r>
-              <a:rPr lang="it-IT" sz="1600" dirty="0"/>
-              <a:t>(1,1)</a:t>
-            </a:r>
-          </a:p>
-        </p:txBody>
-      </p:sp>
-      <p:sp>
-        <p:nvSpPr>
           <p:cNvPr id="149" name="Rettangolo 148">
             <a:extLst>
               <a:ext uri="{FF2B5EF4-FFF2-40B4-BE49-F238E27FC236}">
@@ -7029,7 +5992,7 @@
         </p:nvSpPr>
         <p:spPr>
           <a:xfrm>
-            <a:off x="10486820" y="1217014"/>
+            <a:off x="7165096" y="5788053"/>
             <a:ext cx="1572127" cy="625642"/>
           </a:xfrm>
           <a:prstGeom prst="rect">
@@ -7100,7 +6063,7 @@
         </p:nvSpPr>
         <p:spPr>
           <a:xfrm>
-            <a:off x="10485139" y="2980485"/>
+            <a:off x="9220201" y="5784801"/>
             <a:ext cx="1572127" cy="625642"/>
           </a:xfrm>
           <a:prstGeom prst="rect">
@@ -7186,7 +6149,7 @@
         </p:nvSpPr>
         <p:spPr>
           <a:xfrm>
-            <a:off x="10485139" y="4784626"/>
+            <a:off x="305895" y="5784801"/>
             <a:ext cx="1572127" cy="625642"/>
           </a:xfrm>
           <a:prstGeom prst="rect">
@@ -7243,6 +6206,688 @@
           </a:p>
         </p:txBody>
       </p:sp>
+      <p:cxnSp>
+        <p:nvCxnSpPr>
+          <p:cNvPr id="143" name="Connettore diritto 142">
+            <a:extLst>
+              <a:ext uri="{FF2B5EF4-FFF2-40B4-BE49-F238E27FC236}">
+                <a16:creationId xmlns:a16="http://schemas.microsoft.com/office/drawing/2014/main" id="{AEF5A706-AC6C-4014-AB9D-D0223076B037}"/>
+              </a:ext>
+            </a:extLst>
+          </p:cNvPr>
+          <p:cNvCxnSpPr>
+            <a:cxnSpLocks/>
+            <a:stCxn id="70" idx="3"/>
+            <a:endCxn id="15" idx="1"/>
+          </p:cNvCxnSpPr>
+          <p:nvPr/>
+        </p:nvCxnSpPr>
+        <p:spPr>
+          <a:xfrm>
+            <a:off x="4203431" y="1071567"/>
+            <a:ext cx="551945" cy="1628"/>
+          </a:xfrm>
+          <a:prstGeom prst="line">
+            <a:avLst/>
+          </a:prstGeom>
+          <a:ln>
+            <a:solidFill>
+              <a:schemeClr val="accent4">
+                <a:lumMod val="50000"/>
+              </a:schemeClr>
+            </a:solidFill>
+          </a:ln>
+        </p:spPr>
+        <p:style>
+          <a:lnRef idx="1">
+            <a:schemeClr val="accent1"/>
+          </a:lnRef>
+          <a:fillRef idx="0">
+            <a:schemeClr val="accent1"/>
+          </a:fillRef>
+          <a:effectRef idx="0">
+            <a:schemeClr val="accent1"/>
+          </a:effectRef>
+          <a:fontRef idx="minor">
+            <a:schemeClr val="tx1"/>
+          </a:fontRef>
+        </p:style>
+      </p:cxnSp>
+      <p:cxnSp>
+        <p:nvCxnSpPr>
+          <p:cNvPr id="146" name="Connettore diritto 145">
+            <a:extLst>
+              <a:ext uri="{FF2B5EF4-FFF2-40B4-BE49-F238E27FC236}">
+                <a16:creationId xmlns:a16="http://schemas.microsoft.com/office/drawing/2014/main" id="{E6D70B00-7273-4078-8ECF-8237C7B1059F}"/>
+              </a:ext>
+            </a:extLst>
+          </p:cNvPr>
+          <p:cNvCxnSpPr>
+            <a:cxnSpLocks/>
+            <a:stCxn id="15" idx="3"/>
+            <a:endCxn id="90" idx="1"/>
+          </p:cNvCxnSpPr>
+          <p:nvPr/>
+        </p:nvCxnSpPr>
+        <p:spPr>
+          <a:xfrm flipV="1">
+            <a:off x="6713640" y="1069127"/>
+            <a:ext cx="591319" cy="4068"/>
+          </a:xfrm>
+          <a:prstGeom prst="line">
+            <a:avLst/>
+          </a:prstGeom>
+          <a:ln>
+            <a:solidFill>
+              <a:schemeClr val="accent4">
+                <a:lumMod val="50000"/>
+              </a:schemeClr>
+            </a:solidFill>
+          </a:ln>
+        </p:spPr>
+        <p:style>
+          <a:lnRef idx="1">
+            <a:schemeClr val="accent1"/>
+          </a:lnRef>
+          <a:fillRef idx="0">
+            <a:schemeClr val="accent1"/>
+          </a:fillRef>
+          <a:effectRef idx="0">
+            <a:schemeClr val="accent1"/>
+          </a:effectRef>
+          <a:fontRef idx="minor">
+            <a:schemeClr val="tx1"/>
+          </a:fontRef>
+        </p:style>
+      </p:cxnSp>
+      <p:cxnSp>
+        <p:nvCxnSpPr>
+          <p:cNvPr id="152" name="Connettore diritto 151">
+            <a:extLst>
+              <a:ext uri="{FF2B5EF4-FFF2-40B4-BE49-F238E27FC236}">
+                <a16:creationId xmlns:a16="http://schemas.microsoft.com/office/drawing/2014/main" id="{B8D196D9-807E-4DFE-B065-C68826928C10}"/>
+              </a:ext>
+            </a:extLst>
+          </p:cNvPr>
+          <p:cNvCxnSpPr>
+            <a:cxnSpLocks/>
+            <a:stCxn id="90" idx="3"/>
+            <a:endCxn id="25" idx="1"/>
+          </p:cNvCxnSpPr>
+          <p:nvPr/>
+        </p:nvCxnSpPr>
+        <p:spPr>
+          <a:xfrm>
+            <a:off x="9119538" y="1069127"/>
+            <a:ext cx="600304" cy="2442"/>
+          </a:xfrm>
+          <a:prstGeom prst="line">
+            <a:avLst/>
+          </a:prstGeom>
+          <a:ln>
+            <a:solidFill>
+              <a:schemeClr val="accent4">
+                <a:lumMod val="50000"/>
+              </a:schemeClr>
+            </a:solidFill>
+          </a:ln>
+        </p:spPr>
+        <p:style>
+          <a:lnRef idx="1">
+            <a:schemeClr val="accent1"/>
+          </a:lnRef>
+          <a:fillRef idx="0">
+            <a:schemeClr val="accent1"/>
+          </a:fillRef>
+          <a:effectRef idx="0">
+            <a:schemeClr val="accent1"/>
+          </a:effectRef>
+          <a:fontRef idx="minor">
+            <a:schemeClr val="tx1"/>
+          </a:fontRef>
+        </p:style>
+      </p:cxnSp>
+      <p:cxnSp>
+        <p:nvCxnSpPr>
+          <p:cNvPr id="153" name="Connettore diritto 152">
+            <a:extLst>
+              <a:ext uri="{FF2B5EF4-FFF2-40B4-BE49-F238E27FC236}">
+                <a16:creationId xmlns:a16="http://schemas.microsoft.com/office/drawing/2014/main" id="{9E74AD01-63E5-4B26-AB60-F316D198C144}"/>
+              </a:ext>
+            </a:extLst>
+          </p:cNvPr>
+          <p:cNvCxnSpPr>
+            <a:cxnSpLocks/>
+            <a:stCxn id="34" idx="3"/>
+            <a:endCxn id="79" idx="1"/>
+          </p:cNvCxnSpPr>
+          <p:nvPr/>
+        </p:nvCxnSpPr>
+        <p:spPr>
+          <a:xfrm flipV="1">
+            <a:off x="6520571" y="4470181"/>
+            <a:ext cx="732798" cy="1628"/>
+          </a:xfrm>
+          <a:prstGeom prst="line">
+            <a:avLst/>
+          </a:prstGeom>
+          <a:ln>
+            <a:solidFill>
+              <a:schemeClr val="accent4">
+                <a:lumMod val="50000"/>
+              </a:schemeClr>
+            </a:solidFill>
+          </a:ln>
+        </p:spPr>
+        <p:style>
+          <a:lnRef idx="1">
+            <a:schemeClr val="accent1"/>
+          </a:lnRef>
+          <a:fillRef idx="0">
+            <a:schemeClr val="accent1"/>
+          </a:fillRef>
+          <a:effectRef idx="0">
+            <a:schemeClr val="accent1"/>
+          </a:effectRef>
+          <a:fontRef idx="minor">
+            <a:schemeClr val="tx1"/>
+          </a:fontRef>
+        </p:style>
+      </p:cxnSp>
+      <p:cxnSp>
+        <p:nvCxnSpPr>
+          <p:cNvPr id="155" name="Connettore diritto 154">
+            <a:extLst>
+              <a:ext uri="{FF2B5EF4-FFF2-40B4-BE49-F238E27FC236}">
+                <a16:creationId xmlns:a16="http://schemas.microsoft.com/office/drawing/2014/main" id="{8C76C079-5F94-47AF-9418-60A8A4EF0235}"/>
+              </a:ext>
+            </a:extLst>
+          </p:cNvPr>
+          <p:cNvCxnSpPr>
+            <a:cxnSpLocks/>
+            <a:stCxn id="79" idx="3"/>
+            <a:endCxn id="35" idx="1"/>
+          </p:cNvCxnSpPr>
+          <p:nvPr/>
+        </p:nvCxnSpPr>
+        <p:spPr>
+          <a:xfrm>
+            <a:off x="8987043" y="4470181"/>
+            <a:ext cx="732798" cy="2"/>
+          </a:xfrm>
+          <a:prstGeom prst="line">
+            <a:avLst/>
+          </a:prstGeom>
+          <a:ln>
+            <a:solidFill>
+              <a:schemeClr val="accent4">
+                <a:lumMod val="50000"/>
+              </a:schemeClr>
+            </a:solidFill>
+          </a:ln>
+        </p:spPr>
+        <p:style>
+          <a:lnRef idx="1">
+            <a:schemeClr val="accent1"/>
+          </a:lnRef>
+          <a:fillRef idx="0">
+            <a:schemeClr val="accent1"/>
+          </a:fillRef>
+          <a:effectRef idx="0">
+            <a:schemeClr val="accent1"/>
+          </a:effectRef>
+          <a:fontRef idx="minor">
+            <a:schemeClr val="tx1"/>
+          </a:fontRef>
+        </p:style>
+      </p:cxnSp>
+      <p:cxnSp>
+        <p:nvCxnSpPr>
+          <p:cNvPr id="158" name="Connettore diritto 157">
+            <a:extLst>
+              <a:ext uri="{FF2B5EF4-FFF2-40B4-BE49-F238E27FC236}">
+                <a16:creationId xmlns:a16="http://schemas.microsoft.com/office/drawing/2014/main" id="{A8E1F05C-8E7D-4E95-83F6-244222E9796A}"/>
+              </a:ext>
+            </a:extLst>
+          </p:cNvPr>
+          <p:cNvCxnSpPr>
+            <a:cxnSpLocks/>
+            <a:stCxn id="35" idx="0"/>
+            <a:endCxn id="97" idx="2"/>
+          </p:cNvCxnSpPr>
+          <p:nvPr/>
+        </p:nvCxnSpPr>
+        <p:spPr>
+          <a:xfrm flipV="1">
+            <a:off x="10505905" y="2935793"/>
+            <a:ext cx="0" cy="1221569"/>
+          </a:xfrm>
+          <a:prstGeom prst="line">
+            <a:avLst/>
+          </a:prstGeom>
+          <a:ln>
+            <a:solidFill>
+              <a:schemeClr val="accent4">
+                <a:lumMod val="50000"/>
+              </a:schemeClr>
+            </a:solidFill>
+          </a:ln>
+        </p:spPr>
+        <p:style>
+          <a:lnRef idx="1">
+            <a:schemeClr val="accent1"/>
+          </a:lnRef>
+          <a:fillRef idx="0">
+            <a:schemeClr val="accent1"/>
+          </a:fillRef>
+          <a:effectRef idx="0">
+            <a:schemeClr val="accent1"/>
+          </a:effectRef>
+          <a:fontRef idx="minor">
+            <a:schemeClr val="tx1"/>
+          </a:fontRef>
+        </p:style>
+      </p:cxnSp>
+      <p:cxnSp>
+        <p:nvCxnSpPr>
+          <p:cNvPr id="161" name="Connettore diritto 160">
+            <a:extLst>
+              <a:ext uri="{FF2B5EF4-FFF2-40B4-BE49-F238E27FC236}">
+                <a16:creationId xmlns:a16="http://schemas.microsoft.com/office/drawing/2014/main" id="{5CA7F882-DA28-45D5-A730-200DAC6C042A}"/>
+              </a:ext>
+            </a:extLst>
+          </p:cNvPr>
+          <p:cNvCxnSpPr>
+            <a:cxnSpLocks/>
+            <a:stCxn id="97" idx="0"/>
+            <a:endCxn id="25" idx="2"/>
+          </p:cNvCxnSpPr>
+          <p:nvPr/>
+        </p:nvCxnSpPr>
+        <p:spPr>
+          <a:xfrm flipV="1">
+            <a:off x="10505905" y="1384390"/>
+            <a:ext cx="1" cy="925765"/>
+          </a:xfrm>
+          <a:prstGeom prst="line">
+            <a:avLst/>
+          </a:prstGeom>
+          <a:ln>
+            <a:solidFill>
+              <a:schemeClr val="accent4">
+                <a:lumMod val="50000"/>
+              </a:schemeClr>
+            </a:solidFill>
+          </a:ln>
+        </p:spPr>
+        <p:style>
+          <a:lnRef idx="1">
+            <a:schemeClr val="accent1"/>
+          </a:lnRef>
+          <a:fillRef idx="0">
+            <a:schemeClr val="accent1"/>
+          </a:fillRef>
+          <a:effectRef idx="0">
+            <a:schemeClr val="accent1"/>
+          </a:effectRef>
+          <a:fontRef idx="minor">
+            <a:schemeClr val="tx1"/>
+          </a:fontRef>
+        </p:style>
+      </p:cxnSp>
+      <p:cxnSp>
+        <p:nvCxnSpPr>
+          <p:cNvPr id="173" name="Connettore diritto 172">
+            <a:extLst>
+              <a:ext uri="{FF2B5EF4-FFF2-40B4-BE49-F238E27FC236}">
+                <a16:creationId xmlns:a16="http://schemas.microsoft.com/office/drawing/2014/main" id="{81A63B6B-8862-4723-9E69-FF8749BDEF8D}"/>
+              </a:ext>
+            </a:extLst>
+          </p:cNvPr>
+          <p:cNvCxnSpPr>
+            <a:cxnSpLocks/>
+            <a:stCxn id="4" idx="3"/>
+            <a:endCxn id="105" idx="1"/>
+          </p:cNvCxnSpPr>
+          <p:nvPr/>
+        </p:nvCxnSpPr>
+        <p:spPr>
+          <a:xfrm flipV="1">
+            <a:off x="1872913" y="4471807"/>
+            <a:ext cx="655167" cy="2"/>
+          </a:xfrm>
+          <a:prstGeom prst="line">
+            <a:avLst/>
+          </a:prstGeom>
+          <a:ln>
+            <a:solidFill>
+              <a:schemeClr val="accent4">
+                <a:lumMod val="50000"/>
+              </a:schemeClr>
+            </a:solidFill>
+          </a:ln>
+        </p:spPr>
+        <p:style>
+          <a:lnRef idx="1">
+            <a:schemeClr val="accent1"/>
+          </a:lnRef>
+          <a:fillRef idx="0">
+            <a:schemeClr val="accent1"/>
+          </a:fillRef>
+          <a:effectRef idx="0">
+            <a:schemeClr val="accent1"/>
+          </a:effectRef>
+          <a:fontRef idx="minor">
+            <a:schemeClr val="tx1"/>
+          </a:fontRef>
+        </p:style>
+      </p:cxnSp>
+      <p:cxnSp>
+        <p:nvCxnSpPr>
+          <p:cNvPr id="176" name="Connettore diritto 175">
+            <a:extLst>
+              <a:ext uri="{FF2B5EF4-FFF2-40B4-BE49-F238E27FC236}">
+                <a16:creationId xmlns:a16="http://schemas.microsoft.com/office/drawing/2014/main" id="{668C0F98-837A-466D-B1C0-D304258918DD}"/>
+              </a:ext>
+            </a:extLst>
+          </p:cNvPr>
+          <p:cNvCxnSpPr>
+            <a:cxnSpLocks/>
+            <a:stCxn id="105" idx="3"/>
+            <a:endCxn id="34" idx="1"/>
+          </p:cNvCxnSpPr>
+          <p:nvPr/>
+        </p:nvCxnSpPr>
+        <p:spPr>
+          <a:xfrm>
+            <a:off x="4100207" y="4471807"/>
+            <a:ext cx="848237" cy="2"/>
+          </a:xfrm>
+          <a:prstGeom prst="line">
+            <a:avLst/>
+          </a:prstGeom>
+          <a:ln>
+            <a:solidFill>
+              <a:schemeClr val="accent4">
+                <a:lumMod val="50000"/>
+              </a:schemeClr>
+            </a:solidFill>
+          </a:ln>
+        </p:spPr>
+        <p:style>
+          <a:lnRef idx="1">
+            <a:schemeClr val="accent1"/>
+          </a:lnRef>
+          <a:fillRef idx="0">
+            <a:schemeClr val="accent1"/>
+          </a:fillRef>
+          <a:effectRef idx="0">
+            <a:schemeClr val="accent1"/>
+          </a:effectRef>
+          <a:fontRef idx="minor">
+            <a:schemeClr val="tx1"/>
+          </a:fontRef>
+        </p:style>
+      </p:cxnSp>
+      <p:cxnSp>
+        <p:nvCxnSpPr>
+          <p:cNvPr id="179" name="Connettore diritto 178">
+            <a:extLst>
+              <a:ext uri="{FF2B5EF4-FFF2-40B4-BE49-F238E27FC236}">
+                <a16:creationId xmlns:a16="http://schemas.microsoft.com/office/drawing/2014/main" id="{1853364D-D9AD-460B-83B0-F6BE7EAACDA9}"/>
+              </a:ext>
+            </a:extLst>
+          </p:cNvPr>
+          <p:cNvCxnSpPr>
+            <a:cxnSpLocks/>
+            <a:stCxn id="84" idx="0"/>
+            <a:endCxn id="45" idx="2"/>
+          </p:cNvCxnSpPr>
+          <p:nvPr/>
+        </p:nvCxnSpPr>
+        <p:spPr>
+          <a:xfrm flipV="1">
+            <a:off x="5734507" y="2943043"/>
+            <a:ext cx="1" cy="295153"/>
+          </a:xfrm>
+          <a:prstGeom prst="line">
+            <a:avLst/>
+          </a:prstGeom>
+          <a:ln>
+            <a:solidFill>
+              <a:schemeClr val="accent4">
+                <a:lumMod val="50000"/>
+              </a:schemeClr>
+            </a:solidFill>
+          </a:ln>
+        </p:spPr>
+        <p:style>
+          <a:lnRef idx="1">
+            <a:schemeClr val="accent1"/>
+          </a:lnRef>
+          <a:fillRef idx="0">
+            <a:schemeClr val="accent1"/>
+          </a:fillRef>
+          <a:effectRef idx="0">
+            <a:schemeClr val="accent1"/>
+          </a:effectRef>
+          <a:fontRef idx="minor">
+            <a:schemeClr val="tx1"/>
+          </a:fontRef>
+        </p:style>
+      </p:cxnSp>
+      <p:cxnSp>
+        <p:nvCxnSpPr>
+          <p:cNvPr id="182" name="Connettore diritto 181">
+            <a:extLst>
+              <a:ext uri="{FF2B5EF4-FFF2-40B4-BE49-F238E27FC236}">
+                <a16:creationId xmlns:a16="http://schemas.microsoft.com/office/drawing/2014/main" id="{8D225143-81F6-433A-9EEA-342C205ECD95}"/>
+              </a:ext>
+            </a:extLst>
+          </p:cNvPr>
+          <p:cNvCxnSpPr>
+            <a:cxnSpLocks/>
+            <a:stCxn id="34" idx="0"/>
+            <a:endCxn id="84" idx="2"/>
+          </p:cNvCxnSpPr>
+          <p:nvPr/>
+        </p:nvCxnSpPr>
+        <p:spPr>
+          <a:xfrm flipH="1" flipV="1">
+            <a:off x="5734507" y="3863834"/>
+            <a:ext cx="1" cy="295154"/>
+          </a:xfrm>
+          <a:prstGeom prst="line">
+            <a:avLst/>
+          </a:prstGeom>
+          <a:ln>
+            <a:solidFill>
+              <a:schemeClr val="accent4">
+                <a:lumMod val="50000"/>
+              </a:schemeClr>
+            </a:solidFill>
+          </a:ln>
+        </p:spPr>
+        <p:style>
+          <a:lnRef idx="1">
+            <a:schemeClr val="accent1"/>
+          </a:lnRef>
+          <a:fillRef idx="0">
+            <a:schemeClr val="accent1"/>
+          </a:fillRef>
+          <a:effectRef idx="0">
+            <a:schemeClr val="accent1"/>
+          </a:effectRef>
+          <a:fontRef idx="minor">
+            <a:schemeClr val="tx1"/>
+          </a:fontRef>
+        </p:style>
+      </p:cxnSp>
+      <p:sp>
+        <p:nvSpPr>
+          <p:cNvPr id="185" name="Rombo 184">
+            <a:extLst>
+              <a:ext uri="{FF2B5EF4-FFF2-40B4-BE49-F238E27FC236}">
+                <a16:creationId xmlns:a16="http://schemas.microsoft.com/office/drawing/2014/main" id="{EEC5E3ED-62F2-4BDF-930D-F7D1AB1AD9FD}"/>
+              </a:ext>
+            </a:extLst>
+          </p:cNvPr>
+          <p:cNvSpPr/>
+          <p:nvPr/>
+        </p:nvSpPr>
+        <p:spPr>
+          <a:xfrm>
+            <a:off x="393028" y="4971896"/>
+            <a:ext cx="1387641" cy="625638"/>
+          </a:xfrm>
+          <a:prstGeom prst="diamond">
+            <a:avLst/>
+          </a:prstGeom>
+          <a:solidFill>
+            <a:schemeClr val="accent4">
+              <a:lumMod val="20000"/>
+              <a:lumOff val="80000"/>
+            </a:schemeClr>
+          </a:solidFill>
+          <a:ln>
+            <a:solidFill>
+              <a:schemeClr val="accent4">
+                <a:lumMod val="50000"/>
+              </a:schemeClr>
+            </a:solidFill>
+          </a:ln>
+        </p:spPr>
+        <p:style>
+          <a:lnRef idx="2">
+            <a:schemeClr val="accent1">
+              <a:shade val="50000"/>
+            </a:schemeClr>
+          </a:lnRef>
+          <a:fillRef idx="1">
+            <a:schemeClr val="accent1"/>
+          </a:fillRef>
+          <a:effectRef idx="0">
+            <a:schemeClr val="accent1"/>
+          </a:effectRef>
+          <a:fontRef idx="minor">
+            <a:schemeClr val="lt1"/>
+          </a:fontRef>
+        </p:style>
+        <p:txBody>
+          <a:bodyPr rtlCol="0" anchor="ctr"/>
+          <a:lstStyle/>
+          <a:p>
+            <a:pPr algn="ctr"/>
+            <a:r>
+              <a:rPr lang="it-IT" dirty="0" err="1">
+                <a:solidFill>
+                  <a:schemeClr val="tx1"/>
+                </a:solidFill>
+              </a:rPr>
+              <a:t>has</a:t>
+            </a:r>
+            <a:endParaRPr lang="it-IT" dirty="0">
+              <a:solidFill>
+                <a:schemeClr val="tx1"/>
+              </a:solidFill>
+            </a:endParaRPr>
+          </a:p>
+        </p:txBody>
+      </p:sp>
+      <p:cxnSp>
+        <p:nvCxnSpPr>
+          <p:cNvPr id="186" name="Connettore diritto 185">
+            <a:extLst>
+              <a:ext uri="{FF2B5EF4-FFF2-40B4-BE49-F238E27FC236}">
+                <a16:creationId xmlns:a16="http://schemas.microsoft.com/office/drawing/2014/main" id="{C5254DDE-8972-4C8A-A37D-845D029BF356}"/>
+              </a:ext>
+            </a:extLst>
+          </p:cNvPr>
+          <p:cNvCxnSpPr>
+            <a:cxnSpLocks/>
+            <a:stCxn id="4" idx="2"/>
+            <a:endCxn id="185" idx="0"/>
+          </p:cNvCxnSpPr>
+          <p:nvPr/>
+        </p:nvCxnSpPr>
+        <p:spPr>
+          <a:xfrm flipH="1">
+            <a:off x="1086849" y="4784630"/>
+            <a:ext cx="1" cy="187266"/>
+          </a:xfrm>
+          <a:prstGeom prst="line">
+            <a:avLst/>
+          </a:prstGeom>
+          <a:ln>
+            <a:solidFill>
+              <a:schemeClr val="accent4">
+                <a:lumMod val="50000"/>
+              </a:schemeClr>
+            </a:solidFill>
+          </a:ln>
+        </p:spPr>
+        <p:style>
+          <a:lnRef idx="1">
+            <a:schemeClr val="accent1"/>
+          </a:lnRef>
+          <a:fillRef idx="0">
+            <a:schemeClr val="accent1"/>
+          </a:fillRef>
+          <a:effectRef idx="0">
+            <a:schemeClr val="accent1"/>
+          </a:effectRef>
+          <a:fontRef idx="minor">
+            <a:schemeClr val="tx1"/>
+          </a:fontRef>
+        </p:style>
+      </p:cxnSp>
+      <p:cxnSp>
+        <p:nvCxnSpPr>
+          <p:cNvPr id="189" name="Connettore diritto 188">
+            <a:extLst>
+              <a:ext uri="{FF2B5EF4-FFF2-40B4-BE49-F238E27FC236}">
+                <a16:creationId xmlns:a16="http://schemas.microsoft.com/office/drawing/2014/main" id="{E79C87BA-FD26-4C08-A15A-AFEF8328CCB7}"/>
+              </a:ext>
+            </a:extLst>
+          </p:cNvPr>
+          <p:cNvCxnSpPr>
+            <a:cxnSpLocks/>
+            <a:stCxn id="185" idx="2"/>
+            <a:endCxn id="151" idx="0"/>
+          </p:cNvCxnSpPr>
+          <p:nvPr/>
+        </p:nvCxnSpPr>
+        <p:spPr>
+          <a:xfrm>
+            <a:off x="1086849" y="5597534"/>
+            <a:ext cx="5110" cy="187267"/>
+          </a:xfrm>
+          <a:prstGeom prst="line">
+            <a:avLst/>
+          </a:prstGeom>
+          <a:ln>
+            <a:solidFill>
+              <a:schemeClr val="accent4">
+                <a:lumMod val="50000"/>
+              </a:schemeClr>
+            </a:solidFill>
+          </a:ln>
+        </p:spPr>
+        <p:style>
+          <a:lnRef idx="1">
+            <a:schemeClr val="accent1"/>
+          </a:lnRef>
+          <a:fillRef idx="0">
+            <a:schemeClr val="accent1"/>
+          </a:fillRef>
+          <a:effectRef idx="0">
+            <a:schemeClr val="accent1"/>
+          </a:effectRef>
+          <a:fontRef idx="minor">
+            <a:schemeClr val="tx1"/>
+          </a:fontRef>
+        </p:style>
+      </p:cxnSp>
     </p:spTree>
     <p:extLst>
       <p:ext uri="{BB962C8B-B14F-4D97-AF65-F5344CB8AC3E}">
